--- a/Relatório intermédio/Apresentação intermédia da TESE_final.pptx
+++ b/Relatório intermédio/Apresentação intermédia da TESE_final.pptx
@@ -2843,7 +2843,32 @@
             </a:pPr>
             <a:r>
               <a:rPr lang="en-US"/>
-              <a:t>1. Eficiência e Desempenho</a:t>
+              <a:t>1. </a:t>
+            </a:r>
+            <a:r>
+              <a:rPr b="1" lang="en-US"/>
+              <a:t>Eficiência e Desempenho</a:t>
+            </a:r>
+            <a:endParaRPr b="1"/>
+          </a:p>
+          <a:p>
+            <a:pPr indent="-95250" lvl="0" marL="171450" rtl="0" algn="l">
+              <a:spcBef>
+                <a:spcPts val="0"/>
+              </a:spcBef>
+              <a:spcAft>
+                <a:spcPts val="0"/>
+              </a:spcAft>
+              <a:buClr>
+                <a:schemeClr val="dk1"/>
+              </a:buClr>
+              <a:buSzPts val="1100"/>
+              <a:buFont typeface="Arial"/>
+              <a:buNone/>
+            </a:pPr>
+            <a:r>
+              <a:rPr lang="en-US"/>
+              <a:t>Baixo Nível de Abstração: C permite um controle mais fino sobre o hardware e a utilização dos recursos do sistema. Isso é crucial para otimizar o desempenho e a eficiência de uma rede neural, especialmente em dispositivos com recursos limitados.</a:t>
             </a:r>
             <a:endParaRPr/>
           </a:p>
@@ -2864,7 +2889,15 @@
             </a:pPr>
             <a:r>
               <a:rPr lang="en-US"/>
-              <a:t>Baixo Nível de Abstração: C permite um controle mais fino sobre o hardware e a utilização dos recursos do sistema. Isso é crucial para otimizar o desempenho e a eficiência de uma rede neural, especialmente em dispositivos com recursos limitados.</a:t>
+              <a:t>Otimizações de Desempenho: C facilita a implementação de otimizações específicas de hardware, como</a:t>
+            </a:r>
+            <a:r>
+              <a:rPr b="1" lang="en-US"/>
+              <a:t> uso eficiente de memória</a:t>
+            </a:r>
+            <a:r>
+              <a:rPr lang="en-US"/>
+              <a:t> e processamento paralelo, que podem melhorar significativamente o desempenho da rede neural.</a:t>
             </a:r>
             <a:endParaRPr/>
           </a:p>
@@ -2884,16 +2917,7 @@
               <a:buNone/>
             </a:pPr>
             <a:r>
-              <a:rPr lang="en-US"/>
-              <a:t>Otimizações de Desempenho: C facilita a implementação de otimizações específicas de hardware, como</a:t>
-            </a:r>
-            <a:r>
-              <a:rPr b="1" lang="en-US"/>
-              <a:t> uso eficiente de memória</a:t>
-            </a:r>
-            <a:r>
-              <a:rPr lang="en-US"/>
-              <a:t> e processamento paralelo, que podem melhorar significativamente o desempenho da rede neural.</a:t>
+              <a:t/>
             </a:r>
             <a:endParaRPr/>
           </a:p>
@@ -2913,7 +2937,33 @@
               <a:buNone/>
             </a:pPr>
             <a:r>
-              <a:t/>
+              <a:rPr lang="en-US"/>
+              <a:t>2. </a:t>
+            </a:r>
+            <a:r>
+              <a:rPr b="1" lang="en-US"/>
+              <a:t>Recursos Limitados</a:t>
+            </a:r>
+            <a:endParaRPr b="1"/>
+          </a:p>
+          <a:p>
+            <a:pPr indent="-95250" lvl="0" marL="171450" rtl="0" algn="l">
+              <a:spcBef>
+                <a:spcPts val="0"/>
+              </a:spcBef>
+              <a:spcAft>
+                <a:spcPts val="0"/>
+              </a:spcAft>
+              <a:buClr>
+                <a:schemeClr val="dk1"/>
+              </a:buClr>
+              <a:buSzPts val="1100"/>
+              <a:buFont typeface="Arial"/>
+              <a:buNone/>
+            </a:pPr>
+            <a:r>
+              <a:rPr lang="en-US"/>
+              <a:t>Uso de Memória: Em microcontroladores, a memória é um recurso escasso. Implementar a rede neural em C permite uma gestão mais precisa e eficiente da memória, garantindo que a aplicação não exceda os limites disponíveis.</a:t>
             </a:r>
             <a:endParaRPr/>
           </a:p>
@@ -2933,8 +2983,28 @@
               <a:buNone/>
             </a:pPr>
             <a:r>
-              <a:rPr lang="en-US"/>
-              <a:t>2. Recursos Limitados</a:t>
+              <a:rPr b="1" lang="en-US"/>
+              <a:t>Baixo Consumo de Energia: Algoritmos implementados em C podem ser otimizados para consumir menos energia, o que é essencial para dispositivos alimentados por bateria.</a:t>
+            </a:r>
+            <a:endParaRPr b="1"/>
+          </a:p>
+          <a:p>
+            <a:pPr indent="-95250" lvl="0" marL="171450" rtl="0" algn="l">
+              <a:spcBef>
+                <a:spcPts val="0"/>
+              </a:spcBef>
+              <a:spcAft>
+                <a:spcPts val="0"/>
+              </a:spcAft>
+              <a:buClr>
+                <a:schemeClr val="dk1"/>
+              </a:buClr>
+              <a:buSzPts val="1100"/>
+              <a:buFont typeface="Arial"/>
+              <a:buNone/>
+            </a:pPr>
+            <a:r>
+              <a:t/>
             </a:r>
             <a:endParaRPr/>
           </a:p>
@@ -2955,28 +3025,11 @@
             </a:pPr>
             <a:r>
               <a:rPr lang="en-US"/>
-              <a:t>Uso de Memória: Em microcontroladores, a memória é um recurso escasso. Implementar a rede neural em C permite uma gestão mais precisa e eficiente da memória, garantindo que a aplicação não exceda os limites disponíveis.</a:t>
-            </a:r>
-            <a:endParaRPr/>
-          </a:p>
-          <a:p>
-            <a:pPr indent="-95250" lvl="0" marL="171450" rtl="0" algn="l">
-              <a:spcBef>
-                <a:spcPts val="0"/>
-              </a:spcBef>
-              <a:spcAft>
-                <a:spcPts val="0"/>
-              </a:spcAft>
-              <a:buClr>
-                <a:schemeClr val="dk1"/>
-              </a:buClr>
-              <a:buSzPts val="1100"/>
-              <a:buFont typeface="Arial"/>
-              <a:buNone/>
-            </a:pPr>
+              <a:t>3. </a:t>
+            </a:r>
             <a:r>
               <a:rPr b="1" lang="en-US"/>
-              <a:t>Baixo Consumo de Energia: Algoritmos implementados em C podem ser otimizados para consumir menos energia, o que é essencial para dispositivos alimentados por bateria.</a:t>
+              <a:t>Portabilidade</a:t>
             </a:r>
             <a:endParaRPr b="1"/>
           </a:p>
@@ -2996,49 +3049,16 @@
               <a:buNone/>
             </a:pPr>
             <a:r>
-              <a:t/>
-            </a:r>
-            <a:endParaRPr/>
-          </a:p>
-          <a:p>
-            <a:pPr indent="-95250" lvl="0" marL="171450" rtl="0" algn="l">
-              <a:spcBef>
-                <a:spcPts val="0"/>
-              </a:spcBef>
-              <a:spcAft>
-                <a:spcPts val="0"/>
-              </a:spcAft>
-              <a:buClr>
-                <a:schemeClr val="dk1"/>
-              </a:buClr>
-              <a:buSzPts val="1100"/>
-              <a:buFont typeface="Arial"/>
-              <a:buNone/>
-            </a:pPr>
-            <a:r>
               <a:rPr lang="en-US"/>
-              <a:t>3. Portabilidade</a:t>
-            </a:r>
-            <a:endParaRPr/>
-          </a:p>
-          <a:p>
-            <a:pPr indent="-95250" lvl="0" marL="171450" rtl="0" algn="l">
-              <a:spcBef>
-                <a:spcPts val="0"/>
-              </a:spcBef>
-              <a:spcAft>
-                <a:spcPts val="0"/>
-              </a:spcAft>
-              <a:buClr>
-                <a:schemeClr val="dk1"/>
-              </a:buClr>
-              <a:buSzPts val="1100"/>
-              <a:buFont typeface="Arial"/>
-              <a:buNone/>
-            </a:pPr>
+              <a:t>Compatibilidade com Diversos Hardwares: C é uma linguagem amplamente suportada por diversos compiladores e arquiteturas de microcontroladores. Isso facilita a </a:t>
+            </a:r>
+            <a:r>
+              <a:rPr b="1" lang="en-US"/>
+              <a:t>portabilidade do código</a:t>
+            </a:r>
             <a:r>
               <a:rPr lang="en-US"/>
-              <a:t>Compatibilidade com Diversos Hardwares: C é uma linguagem amplamente suportada por diversos compiladores e arquiteturas de microcontroladores. Isso facilita a portabilidade do código entre diferentes plataformas de hardware.</a:t>
+              <a:t> entre diferentes plataformas de hardware.</a:t>
             </a:r>
             <a:endParaRPr/>
           </a:p>
@@ -20337,7 +20357,7 @@
         <p:spPr>
           <a:xfrm>
             <a:off x="0" y="-11450"/>
-            <a:ext cx="12192000" cy="997200"/>
+            <a:ext cx="12192000" cy="1344900"/>
           </a:xfrm>
           <a:prstGeom prst="rect">
             <a:avLst/>
@@ -20349,7 +20369,7 @@
         </p:spPr>
         <p:txBody>
           <a:bodyPr anchorCtr="0" anchor="ctr" bIns="45700" lIns="91425" spcFirstLastPara="1" rIns="91425" wrap="square" tIns="45700">
-            <a:normAutofit/>
+            <a:noAutofit/>
           </a:bodyPr>
           <a:lstStyle/>
           <a:p>
@@ -20371,7 +20391,7 @@
               <a:buNone/>
             </a:pPr>
             <a:r>
-              <a:rPr b="1" lang="en-US" sz="3759">
+              <a:rPr b="1" lang="en-US">
                 <a:solidFill>
                   <a:srgbClr val="9A3324"/>
                 </a:solidFill>
@@ -20382,7 +20402,7 @@
               </a:rPr>
               <a:t>Relevant Technologies on Movement Recognition</a:t>
             </a:r>
-            <a:endParaRPr b="1" sz="3759">
+            <a:endParaRPr b="1">
               <a:solidFill>
                 <a:srgbClr val="9A3324"/>
               </a:solidFill>
@@ -21209,7 +21229,7 @@
         <p:spPr>
           <a:xfrm>
             <a:off x="0" y="0"/>
-            <a:ext cx="12192000" cy="837300"/>
+            <a:ext cx="12192000" cy="913500"/>
           </a:xfrm>
           <a:prstGeom prst="rect">
             <a:avLst/>
@@ -21266,7 +21286,7 @@
         </p:nvSpPr>
         <p:spPr>
           <a:xfrm>
-            <a:off x="611030" y="1380496"/>
+            <a:off x="611030" y="1532896"/>
             <a:ext cx="5226900" cy="3407700"/>
           </a:xfrm>
           <a:prstGeom prst="rect">
@@ -21547,7 +21567,7 @@
         </p:nvSpPr>
         <p:spPr>
           <a:xfrm>
-            <a:off x="4129548" y="899651"/>
+            <a:off x="4129548" y="975851"/>
             <a:ext cx="1608300" cy="1598700"/>
           </a:xfrm>
           <a:prstGeom prst="ellipse">
@@ -21612,7 +21632,7 @@
         </p:nvSpPr>
         <p:spPr>
           <a:xfrm>
-            <a:off x="4328440" y="1375752"/>
+            <a:off x="4328440" y="1451952"/>
             <a:ext cx="1210500" cy="646500"/>
           </a:xfrm>
           <a:prstGeom prst="rect">
@@ -21718,7 +21738,7 @@
         </p:nvSpPr>
         <p:spPr>
           <a:xfrm>
-            <a:off x="6148008" y="1349333"/>
+            <a:off x="6148008" y="1501733"/>
             <a:ext cx="5348700" cy="3438900"/>
           </a:xfrm>
           <a:prstGeom prst="rect">
@@ -21858,8 +21878,70 @@
               <a:spcAft>
                 <a:spcPts val="0"/>
               </a:spcAft>
-              <a:buClr>
+              <a:buNone/>
+            </a:pPr>
+            <a:r>
+              <a:t/>
+            </a:r>
+            <a:endParaRPr sz="1800">
+              <a:solidFill>
+                <a:srgbClr val="56585C"/>
+              </a:solidFill>
+            </a:endParaRPr>
+          </a:p>
+          <a:p>
+            <a:pPr indent="-285750" lvl="0" marL="285750" marR="0" rtl="0" algn="l">
+              <a:lnSpc>
+                <a:spcPct val="100000"/>
+              </a:lnSpc>
+              <a:spcBef>
+                <a:spcPts val="0"/>
+              </a:spcBef>
+              <a:spcAft>
+                <a:spcPts val="0"/>
+              </a:spcAft>
+              <a:buClr>
+                <a:srgbClr val="56585C"/>
+              </a:buClr>
+              <a:buSzPts val="1800"/>
+              <a:buFont typeface="Arial"/>
+              <a:buChar char="•"/>
+            </a:pPr>
+            <a:r>
+              <a:rPr b="0" i="0" lang="en-US" sz="1800" u="none" cap="none" strike="noStrike">
+                <a:solidFill>
+                  <a:srgbClr val="56585C"/>
+                </a:solidFill>
+                <a:latin typeface="Arial"/>
+                <a:ea typeface="Arial"/>
+                <a:cs typeface="Arial"/>
+                <a:sym typeface="Arial"/>
+              </a:rPr>
+              <a:t>Designed to run ML models on MCUs and other devices with only few kilobytes of memory.</a:t>
+            </a:r>
+            <a:endParaRPr b="0" i="0" sz="1400" u="none" cap="none" strike="noStrike">
+              <a:solidFill>
                 <a:srgbClr val="000000"/>
+              </a:solidFill>
+              <a:latin typeface="Arial"/>
+              <a:ea typeface="Arial"/>
+              <a:cs typeface="Arial"/>
+              <a:sym typeface="Arial"/>
+            </a:endParaRPr>
+          </a:p>
+          <a:p>
+            <a:pPr indent="-171450" lvl="0" marL="285750" marR="0" rtl="0" algn="l">
+              <a:lnSpc>
+                <a:spcPct val="100000"/>
+              </a:lnSpc>
+              <a:spcBef>
+                <a:spcPts val="0"/>
+              </a:spcBef>
+              <a:spcAft>
+                <a:spcPts val="0"/>
+              </a:spcAft>
+              <a:buClr>
+                <a:schemeClr val="dk1"/>
               </a:buClr>
               <a:buSzPts val="1800"/>
               <a:buFont typeface="Arial"/>
@@ -21906,78 +21988,7 @@
                 <a:cs typeface="Arial"/>
                 <a:sym typeface="Arial"/>
               </a:rPr>
-              <a:t>Designed to run ML models on MCUs and other devices with only few kilobytes of memory.</a:t>
-            </a:r>
-            <a:endParaRPr b="0" i="0" sz="1400" u="none" cap="none" strike="noStrike">
-              <a:solidFill>
-                <a:srgbClr val="000000"/>
-              </a:solidFill>
-              <a:latin typeface="Arial"/>
-              <a:ea typeface="Arial"/>
-              <a:cs typeface="Arial"/>
-              <a:sym typeface="Arial"/>
-            </a:endParaRPr>
-          </a:p>
-          <a:p>
-            <a:pPr indent="-171450" lvl="0" marL="285750" marR="0" rtl="0" algn="l">
-              <a:lnSpc>
-                <a:spcPct val="100000"/>
-              </a:lnSpc>
-              <a:spcBef>
-                <a:spcPts val="0"/>
-              </a:spcBef>
-              <a:spcAft>
-                <a:spcPts val="0"/>
-              </a:spcAft>
-              <a:buClr>
-                <a:schemeClr val="dk1"/>
-              </a:buClr>
-              <a:buSzPts val="1800"/>
-              <a:buFont typeface="Arial"/>
-              <a:buNone/>
-            </a:pPr>
-            <a:r>
-              <a:t/>
-            </a:r>
-            <a:endParaRPr b="0" i="0" sz="1800" u="none" cap="none" strike="noStrike">
-              <a:solidFill>
-                <a:srgbClr val="56585C"/>
-              </a:solidFill>
-              <a:latin typeface="Arial"/>
-              <a:ea typeface="Arial"/>
-              <a:cs typeface="Arial"/>
-              <a:sym typeface="Arial"/>
-            </a:endParaRPr>
-          </a:p>
-          <a:p>
-            <a:pPr indent="-285750" lvl="0" marL="285750" marR="0" rtl="0" algn="l">
-              <a:lnSpc>
-                <a:spcPct val="100000"/>
-              </a:lnSpc>
-              <a:spcBef>
-                <a:spcPts val="0"/>
-              </a:spcBef>
-              <a:spcAft>
-                <a:spcPts val="0"/>
-              </a:spcAft>
-              <a:buClr>
-                <a:srgbClr val="56585C"/>
-              </a:buClr>
-              <a:buSzPts val="1800"/>
-              <a:buFont typeface="Arial"/>
-              <a:buChar char="•"/>
-            </a:pPr>
-            <a:r>
-              <a:rPr b="0" i="0" lang="en-US" sz="1800" u="none" cap="none" strike="noStrike">
-                <a:solidFill>
-                  <a:srgbClr val="56585C"/>
-                </a:solidFill>
-                <a:latin typeface="Arial"/>
-                <a:ea typeface="Arial"/>
-                <a:cs typeface="Arial"/>
-                <a:sym typeface="Arial"/>
-              </a:rPr>
-              <a:t>TensorFlow Lite can be use.</a:t>
+              <a:t>TensorFlow Lite can be used.</a:t>
             </a:r>
             <a:endParaRPr b="0" i="0" sz="2400" u="none" cap="none" strike="noStrike">
               <a:solidFill>
@@ -21999,7 +22010,7 @@
         </p:nvSpPr>
         <p:spPr>
           <a:xfrm>
-            <a:off x="9647900" y="899649"/>
+            <a:off x="9647900" y="975849"/>
             <a:ext cx="1705800" cy="1637700"/>
           </a:xfrm>
           <a:prstGeom prst="ellipse">
@@ -22064,7 +22075,7 @@
         </p:nvSpPr>
         <p:spPr>
           <a:xfrm>
-            <a:off x="9970259" y="1395262"/>
+            <a:off x="9970259" y="1471462"/>
             <a:ext cx="1061100" cy="646500"/>
           </a:xfrm>
           <a:prstGeom prst="rect">
@@ -22177,7 +22188,7 @@
         </p:blipFill>
         <p:spPr>
           <a:xfrm>
-            <a:off x="1197255" y="4256657"/>
+            <a:off x="1197255" y="4409057"/>
             <a:ext cx="4054427" cy="2010105"/>
           </a:xfrm>
           <a:prstGeom prst="rect">
@@ -22259,7 +22270,7 @@
         </p:blipFill>
         <p:spPr>
           <a:xfrm>
-            <a:off x="6875375" y="4256650"/>
+            <a:off x="6875375" y="4409050"/>
             <a:ext cx="4054427" cy="1937676"/>
           </a:xfrm>
           <a:prstGeom prst="rect">
@@ -22378,7 +22389,7 @@
           <p:nvPr/>
         </p:nvGraphicFramePr>
         <p:xfrm>
-          <a:off x="611028" y="1340768"/>
+          <a:off x="611028" y="1264568"/>
           <a:ext cx="3000000" cy="3000000"/>
         </p:xfrm>
         <a:graphic>
@@ -22386,7 +22397,7 @@
             <a:tbl>
               <a:tblPr bandRow="1" firstRow="1">
                 <a:noFill/>
-                <a:tableStyleId>{8E175E44-AD4C-4B46-A261-FAE268A7181E}</a:tableStyleId>
+                <a:tableStyleId>{1FF595C6-18D5-4322-9B38-016FED86F50E}</a:tableStyleId>
               </a:tblPr>
               <a:tblGrid>
                 <a:gridCol w="2263525"/>
@@ -23340,7 +23351,7 @@
                           <a:cs typeface="Arial"/>
                           <a:sym typeface="Arial"/>
                         </a:rPr>
-                        <a:t>Excluded due to the size, price and the learning curve of the software use to Develop.</a:t>
+                        <a:t>Excluded due to the size, price and the learning curve of the software used to Develop.</a:t>
                       </a:r>
                       <a:endParaRPr sz="1600" u="none" cap="none" strike="noStrike">
                         <a:solidFill>
@@ -23375,8 +23386,8 @@
         </p:blipFill>
         <p:spPr>
           <a:xfrm>
-            <a:off x="611028" y="1340769"/>
-            <a:ext cx="2159305" cy="1790241"/>
+            <a:off x="611025" y="1264575"/>
+            <a:ext cx="2159299" cy="1731575"/>
           </a:xfrm>
           <a:prstGeom prst="rect">
             <a:avLst/>
@@ -25441,7 +25452,7 @@
                     <a:srgbClr val="595959"/>
                   </a:solidFill>
                 </a:rPr>
-                <a:t>capture</a:t>
+                <a:t>captured</a:t>
               </a:r>
               <a:r>
                 <a:rPr lang="en-US" sz="1600">
@@ -25999,7 +26010,7 @@
                     <a:srgbClr val="595959"/>
                   </a:solidFill>
                 </a:rPr>
-                <a:t>The data was capture using the IMU sensor to collect the accelerometer and gyroscope values, while performing a movement like flex or punch for 10 times each.</a:t>
+                <a:t>The data was captured using the IMU sensor to collect the accelerometer and gyroscope values, while performing a movement like flex or punch for 10 times each.</a:t>
               </a:r>
               <a:endParaRPr sz="1600">
                 <a:solidFill>
@@ -28588,7 +28599,7 @@
                   <a:srgbClr val="595959"/>
                 </a:solidFill>
               </a:rPr>
-              <a:t>Based on preliminary tests, I have validated that this solution can effective for movements recognition, meeting the intended objectives.</a:t>
+              <a:t>Based on preliminary tests, I have validated that this solution can be effective for movements recognition, meeting the intended objectives.</a:t>
             </a:r>
             <a:endParaRPr sz="1800">
               <a:solidFill>
@@ -30727,7 +30738,7 @@
         <p:spPr>
           <a:xfrm>
             <a:off x="611030" y="1196753"/>
-            <a:ext cx="10597500" cy="1847100"/>
+            <a:ext cx="10597500" cy="1934700"/>
           </a:xfrm>
           <a:prstGeom prst="rect">
             <a:avLst/>
@@ -30745,7 +30756,7 @@
           <a:p>
             <a:pPr indent="-285750" lvl="0" marL="285750" marR="0" rtl="0" algn="l">
               <a:lnSpc>
-                <a:spcPct val="100000"/>
+                <a:spcPct val="115000"/>
               </a:lnSpc>
               <a:spcBef>
                 <a:spcPts val="0"/>
@@ -30766,7 +30777,7 @@
                   <a:srgbClr val="595959"/>
                 </a:solidFill>
               </a:rPr>
-              <a:t>Build an embedded system in a microcontroller with a trained Neural Network, using TinyM, that can detect if an exercise is correctly done.</a:t>
+              <a:t>Build an embedded system in a microcontroller with a trained Neural Network, using TinyML, that can detect if an exercise is correctly performed.</a:t>
             </a:r>
             <a:endParaRPr b="0" i="0" sz="1400" u="none" cap="none" strike="noStrike">
               <a:solidFill>

--- a/Relatório intermédio/Apresentação intermédia da TESE_final.pptx
+++ b/Relatório intermédio/Apresentação intermédia da TESE_final.pptx
@@ -1821,7 +1821,16 @@
               <a:buNone/>
             </a:pPr>
             <a:r>
-              <a:t/>
+              <a:rPr lang="en-US">
+                <a:solidFill>
+                  <a:srgbClr val="333333"/>
+                </a:solidFill>
+                <a:latin typeface="Arial"/>
+                <a:ea typeface="Arial"/>
+                <a:cs typeface="Arial"/>
+                <a:sym typeface="Arial"/>
+              </a:rPr>
+              <a:t>Comissão de Acompanhamento de Dissertação (CAD)</a:t>
             </a:r>
             <a:endParaRPr/>
           </a:p>
@@ -1986,7 +1995,12 @@
               <a:buNone/>
             </a:pPr>
             <a:r>
-              <a:t/>
+              <a:rPr lang="en-US"/>
+              <a:t>Tecnologia que permite a comunicação entre dispositivos </a:t>
+            </a:r>
+            <a:r>
+              <a:rPr lang="en-US"/>
+              <a:t>sem fios e de baixo consumo </a:t>
             </a:r>
             <a:endParaRPr/>
           </a:p>
@@ -2471,7 +2485,7 @@
           </a:bodyPr>
           <a:lstStyle/>
           <a:p>
-            <a:pPr indent="-95250" lvl="0" marL="171450" rtl="0" algn="l">
+            <a:pPr indent="0" lvl="0" marL="0" rtl="0" algn="l">
               <a:spcBef>
                 <a:spcPts val="0"/>
               </a:spcBef>
@@ -2492,7 +2506,7 @@
             <a:endParaRPr/>
           </a:p>
           <a:p>
-            <a:pPr indent="-95250" lvl="0" marL="171450" rtl="0" algn="l">
+            <a:pPr indent="0" lvl="0" marL="0" rtl="0" algn="l">
               <a:spcBef>
                 <a:spcPts val="0"/>
               </a:spcBef>
@@ -2508,12 +2522,12 @@
             </a:pPr>
             <a:r>
               <a:rPr lang="en-US"/>
-              <a:t>Vou  recolher os dados dos movimentos</a:t>
+              <a:t>Vou recolher os dados dos movimentos</a:t>
             </a:r>
             <a:endParaRPr/>
           </a:p>
           <a:p>
-            <a:pPr indent="-95250" lvl="0" marL="171450" rtl="0" algn="l">
+            <a:pPr indent="0" lvl="0" marL="0" rtl="0" algn="l">
               <a:spcBef>
                 <a:spcPts val="0"/>
               </a:spcBef>
@@ -2534,7 +2548,7 @@
             <a:endParaRPr/>
           </a:p>
           <a:p>
-            <a:pPr indent="-95250" lvl="0" marL="171450" rtl="0" algn="l">
+            <a:pPr indent="0" lvl="0" marL="0" rtl="0" algn="l">
               <a:spcBef>
                 <a:spcPts val="0"/>
               </a:spcBef>
@@ -2555,7 +2569,7 @@
             <a:endParaRPr/>
           </a:p>
           <a:p>
-            <a:pPr indent="-95250" lvl="0" marL="171450" rtl="0" algn="l">
+            <a:pPr indent="0" lvl="0" marL="0" rtl="0" algn="l">
               <a:spcBef>
                 <a:spcPts val="0"/>
               </a:spcBef>
@@ -2571,12 +2585,12 @@
             </a:pPr>
             <a:r>
               <a:rPr lang="en-US"/>
-              <a:t>E vou refinar essa implementação, coisa que quando é feita no edge impulse ou google colab nós não temos mão para além das opções facultadas</a:t>
+              <a:t>Optimizada</a:t>
             </a:r>
             <a:endParaRPr/>
           </a:p>
           <a:p>
-            <a:pPr indent="-95250" lvl="0" marL="171450" rtl="0" algn="l">
+            <a:pPr indent="0" lvl="0" marL="0" rtl="0" algn="l">
               <a:spcBef>
                 <a:spcPts val="0"/>
               </a:spcBef>
@@ -2591,12 +2605,54 @@
               <a:buNone/>
             </a:pPr>
             <a:r>
-              <a:t/>
+              <a:rPr lang="en-US"/>
+              <a:t>E vou refinar essa implementação, coisa que quando é feita no edge impulse ou google colab nós não temos mão para além das opções facultadas</a:t>
             </a:r>
             <a:endParaRPr/>
           </a:p>
           <a:p>
-            <a:pPr indent="-95250" lvl="0" marL="171450" rtl="0" algn="l">
+            <a:pPr indent="0" lvl="0" marL="0" rtl="0" algn="l">
+              <a:spcBef>
+                <a:spcPts val="0"/>
+              </a:spcBef>
+              <a:spcAft>
+                <a:spcPts val="0"/>
+              </a:spcAft>
+              <a:buClr>
+                <a:schemeClr val="dk1"/>
+              </a:buClr>
+              <a:buSzPts val="1400"/>
+              <a:buFont typeface="Arial"/>
+              <a:buNone/>
+            </a:pPr>
+            <a:r>
+              <a:rPr lang="en-US"/>
+              <a:t>Usa o Arduino IDE -  e implementa a rede neural em funções básicas</a:t>
+            </a:r>
+            <a:endParaRPr/>
+          </a:p>
+          <a:p>
+            <a:pPr indent="0" lvl="0" marL="0" rtl="0" algn="l">
+              <a:spcBef>
+                <a:spcPts val="0"/>
+              </a:spcBef>
+              <a:spcAft>
+                <a:spcPts val="0"/>
+              </a:spcAft>
+              <a:buClr>
+                <a:schemeClr val="dk1"/>
+              </a:buClr>
+              <a:buSzPts val="1400"/>
+              <a:buFont typeface="Arial"/>
+              <a:buNone/>
+            </a:pPr>
+            <a:r>
+              <a:t/>
+            </a:r>
+            <a:endParaRPr/>
+          </a:p>
+          <a:p>
+            <a:pPr indent="0" lvl="0" marL="0" rtl="0" algn="l">
               <a:spcBef>
                 <a:spcPts val="0"/>
               </a:spcBef>
@@ -4570,7 +4626,11 @@
             </a:pPr>
             <a:r>
               <a:rPr b="1" lang="en-US"/>
-              <a:t>implementar a rede é fazer o </a:t>
+              <a:t>I</a:t>
+            </a:r>
+            <a:r>
+              <a:rPr b="1" lang="en-US"/>
+              <a:t>mplementar a rede é fazer o </a:t>
             </a:r>
             <a:r>
               <a:rPr b="1" lang="en-US"/>
@@ -5268,13 +5328,7 @@
               <a:buNone/>
             </a:pPr>
             <a:r>
-              <a:rPr b="0" i="0" lang="en-US">
-                <a:latin typeface="Calibri"/>
-                <a:ea typeface="Calibri"/>
-                <a:cs typeface="Calibri"/>
-                <a:sym typeface="Calibri"/>
-              </a:rPr>
-              <a:t>​</a:t>
+              <a:t/>
             </a:r>
             <a:endParaRPr/>
           </a:p>
@@ -5295,7 +5349,7 @@
             </a:pPr>
             <a:r>
               <a:rPr lang="en-US"/>
-              <a:t>Não só vou recolher</a:t>
+              <a:t>Extração de features: </a:t>
             </a:r>
             <a:endParaRPr/>
           </a:p>
@@ -5316,7 +5370,7 @@
             </a:pPr>
             <a:r>
               <a:rPr lang="en-US"/>
-              <a:t>Como vou Criar o data set</a:t>
+              <a:t>Vamos usar tinyML para fazer o ensaio da rede neuronal e também fazer a exploração da extração de features, ou seja, o código da extração de features</a:t>
             </a:r>
             <a:endParaRPr/>
           </a:p>
@@ -5337,7 +5391,7 @@
             </a:pPr>
             <a:r>
               <a:rPr lang="en-US"/>
-              <a:t>Vou treinar a rede</a:t>
+              <a:t>entram dados e saiem features - vamos usar essa caixa preta para nos fazer esse código. Vou usar o edge impulse para explorar diferentes configurações</a:t>
             </a:r>
             <a:endParaRPr/>
           </a:p>
@@ -5357,239 +5411,142 @@
               <a:buNone/>
             </a:pPr>
             <a:r>
+              <a:t/>
+            </a:r>
+            <a:endParaRPr/>
+          </a:p>
+          <a:p>
+            <a:pPr indent="-317500" lvl="0" marL="457200" rtl="0" algn="l">
+              <a:spcBef>
+                <a:spcPts val="0"/>
+              </a:spcBef>
+              <a:spcAft>
+                <a:spcPts val="0"/>
+              </a:spcAft>
+              <a:buClr>
+                <a:schemeClr val="dk1"/>
+              </a:buClr>
+              <a:buSzPts val="1400"/>
+              <a:buChar char="-"/>
+            </a:pPr>
+            <a:r>
               <a:rPr lang="en-US"/>
-              <a:t>Implementar a rede no mcu</a:t>
+              <a:t>ponto de partida vai ser usar a extração de features do edge impulse, recolho o dataset, guardo no ficheiro, e a seguir uso o edge impulse para explorar diferentes confirgurações da rede neuronal</a:t>
+            </a:r>
+            <a:endParaRPr/>
+          </a:p>
+          <a:p>
+            <a:pPr indent="-317500" lvl="0" marL="457200" rtl="0" algn="l">
+              <a:spcBef>
+                <a:spcPts val="0"/>
+              </a:spcBef>
+              <a:spcAft>
+                <a:spcPts val="0"/>
+              </a:spcAft>
+              <a:buClr>
+                <a:schemeClr val="dk1"/>
+              </a:buClr>
+              <a:buSzPts val="1400"/>
+              <a:buChar char="-"/>
+            </a:pPr>
+            <a:r>
+              <a:rPr lang="en-US"/>
+              <a:t>depois treinar a rede</a:t>
+            </a:r>
+            <a:endParaRPr/>
+          </a:p>
+          <a:p>
+            <a:pPr indent="-317500" lvl="0" marL="457200" rtl="0" algn="l">
+              <a:spcBef>
+                <a:spcPts val="0"/>
+              </a:spcBef>
+              <a:spcAft>
+                <a:spcPts val="0"/>
+              </a:spcAft>
+              <a:buClr>
+                <a:schemeClr val="dk1"/>
+              </a:buClr>
+              <a:buSzPts val="1400"/>
+              <a:buChar char="-"/>
+            </a:pPr>
+            <a:r>
+              <a:rPr lang="en-US"/>
+              <a:t>implementar a rede</a:t>
+            </a:r>
+            <a:endParaRPr/>
+          </a:p>
+          <a:p>
+            <a:pPr indent="-317500" lvl="0" marL="457200" rtl="0" algn="l">
+              <a:spcBef>
+                <a:spcPts val="0"/>
+              </a:spcBef>
+              <a:spcAft>
+                <a:spcPts val="0"/>
+              </a:spcAft>
+              <a:buClr>
+                <a:schemeClr val="dk1"/>
+              </a:buClr>
+              <a:buSzPts val="1400"/>
+              <a:buChar char="-"/>
+            </a:pPr>
+            <a:r>
+              <a:rPr lang="en-US"/>
+              <a:t>Edge impulse para guiar desenvolvimento</a:t>
+            </a:r>
+            <a:endParaRPr/>
+          </a:p>
+          <a:p>
+            <a:pPr indent="-317500" lvl="0" marL="457200" rtl="0" algn="l">
+              <a:spcBef>
+                <a:spcPts val="0"/>
+              </a:spcBef>
+              <a:spcAft>
+                <a:spcPts val="0"/>
+              </a:spcAft>
+              <a:buClr>
+                <a:schemeClr val="dk1"/>
+              </a:buClr>
+              <a:buSzPts val="1400"/>
+              <a:buChar char="-"/>
+            </a:pPr>
+            <a:r>
+              <a:t/>
             </a:r>
             <a:endParaRPr/>
           </a:p>
           <a:p>
             <a:pPr indent="0" lvl="0" marL="0" rtl="0" algn="l">
-              <a:spcBef>
-                <a:spcPts val="0"/>
-              </a:spcBef>
-              <a:spcAft>
-                <a:spcPts val="0"/>
-              </a:spcAft>
-              <a:buClr>
-                <a:schemeClr val="dk1"/>
-              </a:buClr>
-              <a:buSzPts val="1400"/>
-              <a:buFont typeface="Arial"/>
+              <a:lnSpc>
+                <a:spcPct val="115000"/>
+              </a:lnSpc>
+              <a:spcBef>
+                <a:spcPts val="1200"/>
+              </a:spcBef>
+              <a:spcAft>
+                <a:spcPts val="0"/>
+              </a:spcAft>
               <a:buNone/>
             </a:pPr>
             <a:r>
               <a:rPr lang="en-US"/>
-              <a:t>Optimizada</a:t>
+              <a:t>Na extração de features numa rede neuronal, as camadas iniciais aprendem a identificar padrões simples nos dados brutos, como bordas e texturas, enquanto as camadas mais profundas combinam esses padrões simples em características mais complexas e abstratas, que são relevantes para a tarefa final de classificação ou inferência.</a:t>
             </a:r>
             <a:endParaRPr/>
           </a:p>
           <a:p>
             <a:pPr indent="0" lvl="0" marL="0" rtl="0" algn="l">
               <a:spcBef>
-                <a:spcPts val="0"/>
-              </a:spcBef>
-              <a:spcAft>
-                <a:spcPts val="0"/>
-              </a:spcAft>
-              <a:buClr>
-                <a:schemeClr val="dk1"/>
-              </a:buClr>
-              <a:buSzPts val="1400"/>
-              <a:buFont typeface="Arial"/>
+                <a:spcPts val="1200"/>
+              </a:spcBef>
+              <a:spcAft>
+                <a:spcPts val="0"/>
+              </a:spcAft>
               <a:buNone/>
             </a:pPr>
             <a:r>
-              <a:rPr lang="en-US"/>
-              <a:t>Usa o Arduino IDE -  e implementa a rede neural em funções básicas</a:t>
+              <a:t/>
             </a:r>
             <a:endParaRPr/>
-          </a:p>
-          <a:p>
-            <a:pPr indent="0" lvl="0" marL="0" rtl="0" algn="l">
-              <a:spcBef>
-                <a:spcPts val="0"/>
-              </a:spcBef>
-              <a:spcAft>
-                <a:spcPts val="0"/>
-              </a:spcAft>
-              <a:buClr>
-                <a:schemeClr val="dk1"/>
-              </a:buClr>
-              <a:buSzPts val="1400"/>
-              <a:buFont typeface="Arial"/>
-              <a:buNone/>
-            </a:pPr>
-            <a:r>
-              <a:t/>
-            </a:r>
-            <a:endParaRPr>
-              <a:solidFill>
-                <a:srgbClr val="FF0000"/>
-              </a:solidFill>
-            </a:endParaRPr>
-          </a:p>
-          <a:p>
-            <a:pPr indent="0" lvl="0" marL="0" rtl="0" algn="l">
-              <a:spcBef>
-                <a:spcPts val="0"/>
-              </a:spcBef>
-              <a:spcAft>
-                <a:spcPts val="0"/>
-              </a:spcAft>
-              <a:buClr>
-                <a:schemeClr val="dk1"/>
-              </a:buClr>
-              <a:buSzPts val="1400"/>
-              <a:buFont typeface="Arial"/>
-              <a:buNone/>
-            </a:pPr>
-            <a:r>
-              <a:rPr lang="en-US"/>
-              <a:t>Extração de features: </a:t>
-            </a:r>
-            <a:endParaRPr/>
-          </a:p>
-          <a:p>
-            <a:pPr indent="0" lvl="0" marL="0" rtl="0" algn="l">
-              <a:spcBef>
-                <a:spcPts val="0"/>
-              </a:spcBef>
-              <a:spcAft>
-                <a:spcPts val="0"/>
-              </a:spcAft>
-              <a:buClr>
-                <a:schemeClr val="dk1"/>
-              </a:buClr>
-              <a:buSzPts val="1400"/>
-              <a:buFont typeface="Arial"/>
-              <a:buNone/>
-            </a:pPr>
-            <a:r>
-              <a:rPr lang="en-US"/>
-              <a:t>Vamos usar tinyML para fazer o ensaio da rede neuronal e também fazer a exploração da extração de features, ou seja, o código da extração de features</a:t>
-            </a:r>
-            <a:endParaRPr/>
-          </a:p>
-          <a:p>
-            <a:pPr indent="0" lvl="0" marL="0" rtl="0" algn="l">
-              <a:spcBef>
-                <a:spcPts val="0"/>
-              </a:spcBef>
-              <a:spcAft>
-                <a:spcPts val="0"/>
-              </a:spcAft>
-              <a:buClr>
-                <a:schemeClr val="dk1"/>
-              </a:buClr>
-              <a:buSzPts val="1400"/>
-              <a:buFont typeface="Arial"/>
-              <a:buNone/>
-            </a:pPr>
-            <a:r>
-              <a:rPr lang="en-US"/>
-              <a:t>entram dados e saiem features - vamos usar essa caixa preta para nos fazer esse código. Vou usar o edge impulse para explorar diferentes configurações</a:t>
-            </a:r>
-            <a:endParaRPr/>
-          </a:p>
-          <a:p>
-            <a:pPr indent="0" lvl="0" marL="0" rtl="0" algn="l">
-              <a:spcBef>
-                <a:spcPts val="0"/>
-              </a:spcBef>
-              <a:spcAft>
-                <a:spcPts val="0"/>
-              </a:spcAft>
-              <a:buClr>
-                <a:schemeClr val="dk1"/>
-              </a:buClr>
-              <a:buSzPts val="1400"/>
-              <a:buFont typeface="Arial"/>
-              <a:buNone/>
-            </a:pPr>
-            <a:r>
-              <a:t/>
-            </a:r>
-            <a:endParaRPr/>
-          </a:p>
-          <a:p>
-            <a:pPr indent="-317500" lvl="0" marL="457200" rtl="0" algn="l">
-              <a:spcBef>
-                <a:spcPts val="0"/>
-              </a:spcBef>
-              <a:spcAft>
-                <a:spcPts val="0"/>
-              </a:spcAft>
-              <a:buClr>
-                <a:schemeClr val="dk1"/>
-              </a:buClr>
-              <a:buSzPts val="1400"/>
-              <a:buChar char="-"/>
-            </a:pPr>
-            <a:r>
-              <a:rPr lang="en-US"/>
-              <a:t>ponto de partida vai ser usar a extração de features do edge impulse, recolho o dataset, guardo no ficheiro, e a seguir uso o edge impulse para explorar diferentes confirgurações da rede neuronal</a:t>
-            </a:r>
-            <a:endParaRPr/>
-          </a:p>
-          <a:p>
-            <a:pPr indent="-317500" lvl="0" marL="457200" rtl="0" algn="l">
-              <a:spcBef>
-                <a:spcPts val="0"/>
-              </a:spcBef>
-              <a:spcAft>
-                <a:spcPts val="0"/>
-              </a:spcAft>
-              <a:buClr>
-                <a:schemeClr val="dk1"/>
-              </a:buClr>
-              <a:buSzPts val="1400"/>
-              <a:buChar char="-"/>
-            </a:pPr>
-            <a:r>
-              <a:rPr lang="en-US"/>
-              <a:t>depois treinar a rede</a:t>
-            </a:r>
-            <a:endParaRPr/>
-          </a:p>
-          <a:p>
-            <a:pPr indent="-317500" lvl="0" marL="457200" rtl="0" algn="l">
-              <a:spcBef>
-                <a:spcPts val="0"/>
-              </a:spcBef>
-              <a:spcAft>
-                <a:spcPts val="0"/>
-              </a:spcAft>
-              <a:buClr>
-                <a:schemeClr val="dk1"/>
-              </a:buClr>
-              <a:buSzPts val="1400"/>
-              <a:buChar char="-"/>
-            </a:pPr>
-            <a:r>
-              <a:rPr lang="en-US"/>
-              <a:t>implementar a rede</a:t>
-            </a:r>
-            <a:endParaRPr/>
-          </a:p>
-          <a:p>
-            <a:pPr indent="-317500" lvl="0" marL="457200" rtl="0" algn="l">
-              <a:spcBef>
-                <a:spcPts val="0"/>
-              </a:spcBef>
-              <a:spcAft>
-                <a:spcPts val="0"/>
-              </a:spcAft>
-              <a:buClr>
-                <a:schemeClr val="dk1"/>
-              </a:buClr>
-              <a:buSzPts val="1400"/>
-              <a:buChar char="-"/>
-            </a:pPr>
-            <a:r>
-              <a:rPr lang="en-US"/>
-              <a:t>Edge impulse para guiar desenvolvimento</a:t>
-            </a:r>
-            <a:endParaRPr sz="1600"/>
           </a:p>
           <a:p>
             <a:pPr indent="0" lvl="0" marL="0" rtl="0" algn="l">
@@ -6766,7 +6723,90 @@
               </a:rPr>
               <a:t> (FPGAs) are integrated circuits often sold off-the-shelf. They're referred to as 'field programmable' because they provide customers the ability to reconfigure the hardware to meet specific use case requirements after the manufacturing process.</a:t>
             </a:r>
-            <a:endParaRPr sz="700"/>
+            <a:endParaRPr sz="1000">
+              <a:solidFill>
+                <a:srgbClr val="202124"/>
+              </a:solidFill>
+              <a:highlight>
+                <a:srgbClr val="FFFFFF"/>
+              </a:highlight>
+              <a:latin typeface="Arial"/>
+              <a:ea typeface="Arial"/>
+              <a:cs typeface="Arial"/>
+              <a:sym typeface="Arial"/>
+            </a:endParaRPr>
+          </a:p>
+          <a:p>
+            <a:pPr indent="0" lvl="0" marL="0" rtl="0" algn="l">
+              <a:lnSpc>
+                <a:spcPct val="100000"/>
+              </a:lnSpc>
+              <a:spcBef>
+                <a:spcPts val="0"/>
+              </a:spcBef>
+              <a:spcAft>
+                <a:spcPts val="0"/>
+              </a:spcAft>
+              <a:buSzPts val="1400"/>
+              <a:buNone/>
+            </a:pPr>
+            <a:r>
+              <a:t/>
+            </a:r>
+            <a:endParaRPr sz="1000">
+              <a:solidFill>
+                <a:srgbClr val="202124"/>
+              </a:solidFill>
+              <a:highlight>
+                <a:srgbClr val="FFFFFF"/>
+              </a:highlight>
+              <a:latin typeface="Arial"/>
+              <a:ea typeface="Arial"/>
+              <a:cs typeface="Arial"/>
+              <a:sym typeface="Arial"/>
+            </a:endParaRPr>
+          </a:p>
+          <a:p>
+            <a:pPr indent="0" lvl="0" marL="0" rtl="0" algn="l">
+              <a:lnSpc>
+                <a:spcPct val="100000"/>
+              </a:lnSpc>
+              <a:spcBef>
+                <a:spcPts val="0"/>
+              </a:spcBef>
+              <a:spcAft>
+                <a:spcPts val="0"/>
+              </a:spcAft>
+              <a:buSzPts val="1400"/>
+              <a:buNone/>
+            </a:pPr>
+            <a:r>
+              <a:rPr lang="en-US" sz="1000">
+                <a:solidFill>
+                  <a:srgbClr val="202124"/>
+                </a:solidFill>
+                <a:highlight>
+                  <a:srgbClr val="FFFFFF"/>
+                </a:highlight>
+                <a:latin typeface="Arial"/>
+                <a:ea typeface="Arial"/>
+                <a:cs typeface="Arial"/>
+                <a:sym typeface="Arial"/>
+              </a:rPr>
+              <a:t>Um FPGA é um dispositivo altamente flexível que pode ser reprogramado para realizar várias funções em paralelo, enquanto um MCU é um pequeno computador integrado com um conjunto fixo de instruções destinado a tarefas de controle específicas.</a:t>
+            </a:r>
+            <a:endParaRPr sz="1000">
+              <a:solidFill>
+                <a:srgbClr val="202124"/>
+              </a:solidFill>
+              <a:highlight>
+                <a:srgbClr val="FFFFFF"/>
+              </a:highlight>
+              <a:latin typeface="Arial"/>
+              <a:ea typeface="Arial"/>
+              <a:cs typeface="Arial"/>
+              <a:sym typeface="Arial"/>
+            </a:endParaRPr>
           </a:p>
         </p:txBody>
       </p:sp>
@@ -22397,7 +22437,7 @@
             <a:tbl>
               <a:tblPr bandRow="1" firstRow="1">
                 <a:noFill/>
-                <a:tableStyleId>{1FF595C6-18D5-4322-9B38-016FED86F50E}</a:tableStyleId>
+                <a:tableStyleId>{112A9372-58EA-4903-B9D1-392D2C88F163}</a:tableStyleId>
               </a:tblPr>
               <a:tblGrid>
                 <a:gridCol w="2263525"/>
